--- a/src/main/resources/org/sikuli/slides/api/examples/login.pptx
+++ b/src/main/resources/org/sikuli/slides/api/examples/login.pptx
@@ -7,8 +7,8 @@
   <p:sldIdLst>
     <p:sldId id="257" r:id="rId2"/>
     <p:sldId id="256" r:id="rId3"/>
-    <p:sldId id="258" r:id="rId4"/>
-    <p:sldId id="259" r:id="rId5"/>
+    <p:sldId id="260" r:id="rId4"/>
+    <p:sldId id="261" r:id="rId5"/>
   </p:sldIdLst>
   <p:sldSz cx="9144000" cy="6858000" type="screen4x3"/>
   <p:notesSz cx="6858000" cy="9144000"/>
@@ -291,7 +291,7 @@
           <a:p>
             <a:fld id="{CE0DDEF3-652E-F941-A8F9-66B93172E728}" type="datetimeFigureOut">
               <a:rPr lang="en-US" smtClean="0"/>
-              <a:t>8/10/13</a:t>
+              <a:t>8/11/13</a:t>
             </a:fld>
             <a:endParaRPr lang="en-US"/>
           </a:p>
@@ -461,7 +461,7 @@
           <a:p>
             <a:fld id="{CE0DDEF3-652E-F941-A8F9-66B93172E728}" type="datetimeFigureOut">
               <a:rPr lang="en-US" smtClean="0"/>
-              <a:t>8/10/13</a:t>
+              <a:t>8/11/13</a:t>
             </a:fld>
             <a:endParaRPr lang="en-US"/>
           </a:p>
@@ -641,7 +641,7 @@
           <a:p>
             <a:fld id="{CE0DDEF3-652E-F941-A8F9-66B93172E728}" type="datetimeFigureOut">
               <a:rPr lang="en-US" smtClean="0"/>
-              <a:t>8/10/13</a:t>
+              <a:t>8/11/13</a:t>
             </a:fld>
             <a:endParaRPr lang="en-US"/>
           </a:p>
@@ -811,7 +811,7 @@
           <a:p>
             <a:fld id="{CE0DDEF3-652E-F941-A8F9-66B93172E728}" type="datetimeFigureOut">
               <a:rPr lang="en-US" smtClean="0"/>
-              <a:t>8/10/13</a:t>
+              <a:t>8/11/13</a:t>
             </a:fld>
             <a:endParaRPr lang="en-US"/>
           </a:p>
@@ -1057,7 +1057,7 @@
           <a:p>
             <a:fld id="{CE0DDEF3-652E-F941-A8F9-66B93172E728}" type="datetimeFigureOut">
               <a:rPr lang="en-US" smtClean="0"/>
-              <a:t>8/10/13</a:t>
+              <a:t>8/11/13</a:t>
             </a:fld>
             <a:endParaRPr lang="en-US"/>
           </a:p>
@@ -1345,7 +1345,7 @@
           <a:p>
             <a:fld id="{CE0DDEF3-652E-F941-A8F9-66B93172E728}" type="datetimeFigureOut">
               <a:rPr lang="en-US" smtClean="0"/>
-              <a:t>8/10/13</a:t>
+              <a:t>8/11/13</a:t>
             </a:fld>
             <a:endParaRPr lang="en-US"/>
           </a:p>
@@ -1767,7 +1767,7 @@
           <a:p>
             <a:fld id="{CE0DDEF3-652E-F941-A8F9-66B93172E728}" type="datetimeFigureOut">
               <a:rPr lang="en-US" smtClean="0"/>
-              <a:t>8/10/13</a:t>
+              <a:t>8/11/13</a:t>
             </a:fld>
             <a:endParaRPr lang="en-US"/>
           </a:p>
@@ -1885,7 +1885,7 @@
           <a:p>
             <a:fld id="{CE0DDEF3-652E-F941-A8F9-66B93172E728}" type="datetimeFigureOut">
               <a:rPr lang="en-US" smtClean="0"/>
-              <a:t>8/10/13</a:t>
+              <a:t>8/11/13</a:t>
             </a:fld>
             <a:endParaRPr lang="en-US"/>
           </a:p>
@@ -1980,7 +1980,7 @@
           <a:p>
             <a:fld id="{CE0DDEF3-652E-F941-A8F9-66B93172E728}" type="datetimeFigureOut">
               <a:rPr lang="en-US" smtClean="0"/>
-              <a:t>8/10/13</a:t>
+              <a:t>8/11/13</a:t>
             </a:fld>
             <a:endParaRPr lang="en-US"/>
           </a:p>
@@ -2257,7 +2257,7 @@
           <a:p>
             <a:fld id="{CE0DDEF3-652E-F941-A8F9-66B93172E728}" type="datetimeFigureOut">
               <a:rPr lang="en-US" smtClean="0"/>
-              <a:t>8/10/13</a:t>
+              <a:t>8/11/13</a:t>
             </a:fld>
             <a:endParaRPr lang="en-US"/>
           </a:p>
@@ -2510,7 +2510,7 @@
           <a:p>
             <a:fld id="{CE0DDEF3-652E-F941-A8F9-66B93172E728}" type="datetimeFigureOut">
               <a:rPr lang="en-US" smtClean="0"/>
-              <a:t>8/10/13</a:t>
+              <a:t>8/11/13</a:t>
             </a:fld>
             <a:endParaRPr lang="en-US"/>
           </a:p>
@@ -2723,7 +2723,7 @@
           <a:p>
             <a:fld id="{CE0DDEF3-652E-F941-A8F9-66B93172E728}" type="datetimeFigureOut">
               <a:rPr lang="en-US" smtClean="0"/>
-              <a:t>8/10/13</a:t>
+              <a:t>8/11/13</a:t>
             </a:fld>
             <a:endParaRPr lang="en-US"/>
           </a:p>
@@ -3176,7 +3176,7 @@
       </p:grpSpPr>
       <p:pic>
         <p:nvPicPr>
-          <p:cNvPr id="2" name="Picture 1" descr="Screen Shot 2013-08-10 at 12.38.27 PM.png"/>
+          <p:cNvPr id="4" name="Picture 3" descr="Screen Shot 2013-08-11 at 2.57.39 PM.png"/>
           <p:cNvPicPr>
             <a:picLocks noChangeAspect="1"/>
           </p:cNvPicPr>
@@ -3196,8 +3196,8 @@
         </p:blipFill>
         <p:spPr>
           <a:xfrm>
-            <a:off x="0" y="1345017"/>
-            <a:ext cx="8204200" cy="3492500"/>
+            <a:off x="281981" y="1617212"/>
+            <a:ext cx="8166100" cy="3987800"/>
           </a:xfrm>
           <a:prstGeom prst="rect">
             <a:avLst/>
@@ -3319,7 +3319,7 @@
       </p:grpSpPr>
       <p:pic>
         <p:nvPicPr>
-          <p:cNvPr id="2" name="Picture 1" descr="Screen Shot 2013-08-10 at 12.38.27 PM.png"/>
+          <p:cNvPr id="4" name="Picture 3" descr="Screen Shot 2013-08-11 at 2.57.39 PM.png"/>
           <p:cNvPicPr>
             <a:picLocks noChangeAspect="1"/>
           </p:cNvPicPr>
@@ -3339,8 +3339,8 @@
         </p:blipFill>
         <p:spPr>
           <a:xfrm>
-            <a:off x="0" y="1345017"/>
-            <a:ext cx="8204200" cy="3492500"/>
+            <a:off x="281981" y="1617212"/>
+            <a:ext cx="8166100" cy="3987800"/>
           </a:xfrm>
           <a:prstGeom prst="rect">
             <a:avLst/>
@@ -3349,13 +3349,13 @@
       </p:pic>
       <p:sp>
         <p:nvSpPr>
-          <p:cNvPr id="3" name="Rectangle 2"/>
+          <p:cNvPr id="6" name="Rectangle 5"/>
           <p:cNvSpPr/>
           <p:nvPr/>
         </p:nvSpPr>
         <p:spPr>
           <a:xfrm>
-            <a:off x="3294595" y="2612002"/>
+            <a:off x="4840060" y="2623953"/>
             <a:ext cx="1545465" cy="742863"/>
           </a:xfrm>
           <a:prstGeom prst="rect">
@@ -3393,13 +3393,13 @@
       </p:sp>
       <p:sp>
         <p:nvSpPr>
-          <p:cNvPr id="5" name="TextBox 4"/>
+          <p:cNvPr id="7" name="TextBox 6"/>
           <p:cNvSpPr txBox="1"/>
           <p:nvPr/>
         </p:nvSpPr>
         <p:spPr>
           <a:xfrm>
-            <a:off x="3294595" y="870915"/>
+            <a:off x="4840060" y="882866"/>
             <a:ext cx="2735695" cy="523220"/>
           </a:xfrm>
           <a:prstGeom prst="rect">
@@ -3433,7 +3433,7 @@
     </p:spTree>
     <p:extLst>
       <p:ext uri="{BB962C8B-B14F-4D97-AF65-F5344CB8AC3E}">
-        <p14:creationId xmlns:p14="http://schemas.microsoft.com/office/powerpoint/2010/main" val="1471845258"/>
+        <p14:creationId xmlns:p14="http://schemas.microsoft.com/office/powerpoint/2010/main" val="2674366446"/>
       </p:ext>
     </p:extLst>
   </p:cSld>
@@ -3462,7 +3462,7 @@
       </p:grpSpPr>
       <p:pic>
         <p:nvPicPr>
-          <p:cNvPr id="2" name="Picture 1" descr="Screen Shot 2013-08-10 at 12.38.27 PM.png"/>
+          <p:cNvPr id="4" name="Picture 3" descr="Screen Shot 2013-08-11 at 2.57.39 PM.png"/>
           <p:cNvPicPr>
             <a:picLocks noChangeAspect="1"/>
           </p:cNvPicPr>
@@ -3482,8 +3482,8 @@
         </p:blipFill>
         <p:spPr>
           <a:xfrm>
-            <a:off x="0" y="1345017"/>
-            <a:ext cx="8204200" cy="3492500"/>
+            <a:off x="281981" y="1617212"/>
+            <a:ext cx="8166100" cy="3987800"/>
           </a:xfrm>
           <a:prstGeom prst="rect">
             <a:avLst/>
@@ -3492,13 +3492,13 @@
       </p:pic>
       <p:sp>
         <p:nvSpPr>
-          <p:cNvPr id="3" name="Rectangle 2"/>
+          <p:cNvPr id="5" name="Rectangle 4"/>
           <p:cNvSpPr/>
           <p:nvPr/>
         </p:nvSpPr>
         <p:spPr>
           <a:xfrm>
-            <a:off x="6109977" y="2695874"/>
+            <a:off x="658083" y="4352005"/>
             <a:ext cx="850605" cy="551155"/>
           </a:xfrm>
           <a:prstGeom prst="rect">
@@ -3536,13 +3536,13 @@
       </p:sp>
       <p:sp>
         <p:nvSpPr>
-          <p:cNvPr id="5" name="TextBox 4"/>
+          <p:cNvPr id="8" name="TextBox 7"/>
           <p:cNvSpPr txBox="1"/>
           <p:nvPr/>
         </p:nvSpPr>
         <p:spPr>
           <a:xfrm>
-            <a:off x="5858389" y="2021153"/>
+            <a:off x="281981" y="3677284"/>
             <a:ext cx="995560" cy="523220"/>
           </a:xfrm>
           <a:prstGeom prst="rect">
@@ -3576,7 +3576,7 @@
     </p:spTree>
     <p:extLst>
       <p:ext uri="{BB962C8B-B14F-4D97-AF65-F5344CB8AC3E}">
-        <p14:creationId xmlns:p14="http://schemas.microsoft.com/office/powerpoint/2010/main" val="4161402188"/>
+        <p14:creationId xmlns:p14="http://schemas.microsoft.com/office/powerpoint/2010/main" val="2960191586"/>
       </p:ext>
     </p:extLst>
   </p:cSld>
